--- a/ppt 16-9/1019.祂不误事.pptx
+++ b/ppt 16-9/1019.祂不误事.pptx
@@ -5,7 +5,7 @@
     <p:sldMasterId id="2147483648" r:id="rId1"/>
   </p:sldMasterIdLst>
   <p:sldIdLst>
-    <p:sldId id="441" r:id="rId2"/>
+    <p:sldId id="443" r:id="rId2"/>
   </p:sldIdLst>
   <p:sldSz cx="12192000" cy="6858000"/>
   <p:notesSz cx="6858000" cy="9144000"/>
@@ -129,7 +129,7 @@
           <p:cNvPr id="2" name="标题 1">
             <a:extLst>
               <a:ext uri="{FF2B5EF4-FFF2-40B4-BE49-F238E27FC236}">
-                <a16:creationId xmlns:a16="http://schemas.microsoft.com/office/drawing/2014/main" id="{8C2D3D82-C20F-F504-1B13-E2B14451AC6B}"/>
+                <a16:creationId xmlns:a16="http://schemas.microsoft.com/office/drawing/2014/main" id="{C132DA20-80FC-9B88-3CFA-060E89C2AEE4}"/>
               </a:ext>
             </a:extLst>
           </p:cNvPr>
@@ -166,7 +166,7 @@
           <p:cNvPr id="3" name="副标题 2">
             <a:extLst>
               <a:ext uri="{FF2B5EF4-FFF2-40B4-BE49-F238E27FC236}">
-                <a16:creationId xmlns:a16="http://schemas.microsoft.com/office/drawing/2014/main" id="{F63F314A-4C18-33AF-2B8D-22339DB2838F}"/>
+                <a16:creationId xmlns:a16="http://schemas.microsoft.com/office/drawing/2014/main" id="{D26A79AC-AB9A-86F8-82D7-EE0B8D499028}"/>
               </a:ext>
             </a:extLst>
           </p:cNvPr>
@@ -236,7 +236,7 @@
           <p:cNvPr id="4" name="日期占位符 3">
             <a:extLst>
               <a:ext uri="{FF2B5EF4-FFF2-40B4-BE49-F238E27FC236}">
-                <a16:creationId xmlns:a16="http://schemas.microsoft.com/office/drawing/2014/main" id="{1CC25C00-A3AC-3C8B-B778-C2CA880900D2}"/>
+                <a16:creationId xmlns:a16="http://schemas.microsoft.com/office/drawing/2014/main" id="{68199BBF-7033-9E7D-1C88-F767E30BF962}"/>
               </a:ext>
             </a:extLst>
           </p:cNvPr>
@@ -252,7 +252,7 @@
           <a:bodyPr/>
           <a:lstStyle/>
           <a:p>
-            <a:fld id="{F103E9AC-8A07-40EA-BB0C-38A6C1DF9A3E}" type="datetimeFigureOut">
+            <a:fld id="{30252947-A090-498E-912A-2D5DD1E9FB7D}" type="datetimeFigureOut">
               <a:rPr lang="zh-CN" altLang="en-US" smtClean="0"/>
               <a:t>2024/3/10</a:t>
             </a:fld>
@@ -265,7 +265,7 @@
           <p:cNvPr id="5" name="页脚占位符 4">
             <a:extLst>
               <a:ext uri="{FF2B5EF4-FFF2-40B4-BE49-F238E27FC236}">
-                <a16:creationId xmlns:a16="http://schemas.microsoft.com/office/drawing/2014/main" id="{A827654C-DB69-E2FA-C682-827CC8D92FF9}"/>
+                <a16:creationId xmlns:a16="http://schemas.microsoft.com/office/drawing/2014/main" id="{0EDD06FA-5DE6-DC70-0EE0-29FCCF2B6B38}"/>
               </a:ext>
             </a:extLst>
           </p:cNvPr>
@@ -290,7 +290,7 @@
           <p:cNvPr id="6" name="灯片编号占位符 5">
             <a:extLst>
               <a:ext uri="{FF2B5EF4-FFF2-40B4-BE49-F238E27FC236}">
-                <a16:creationId xmlns:a16="http://schemas.microsoft.com/office/drawing/2014/main" id="{4BEEDCC7-8BCB-3280-592D-6534EF28CDA3}"/>
+                <a16:creationId xmlns:a16="http://schemas.microsoft.com/office/drawing/2014/main" id="{3B7554B9-B25B-736A-450A-E5C23B32E9E1}"/>
               </a:ext>
             </a:extLst>
           </p:cNvPr>
@@ -306,7 +306,7 @@
           <a:bodyPr/>
           <a:lstStyle/>
           <a:p>
-            <a:fld id="{0F22AC00-330D-45AE-9FF1-B952CE0DA27E}" type="slidenum">
+            <a:fld id="{11B80E5D-0A0F-4D55-95CC-57966BF29772}" type="slidenum">
               <a:rPr lang="zh-CN" altLang="en-US" smtClean="0"/>
               <a:t>‹#›</a:t>
             </a:fld>
@@ -317,7 +317,7 @@
     </p:spTree>
     <p:extLst>
       <p:ext uri="{BB962C8B-B14F-4D97-AF65-F5344CB8AC3E}">
-        <p14:creationId xmlns:p14="http://schemas.microsoft.com/office/powerpoint/2010/main" val="84509273"/>
+        <p14:creationId xmlns:p14="http://schemas.microsoft.com/office/powerpoint/2010/main" val="1578605106"/>
       </p:ext>
     </p:extLst>
   </p:cSld>
@@ -349,7 +349,7 @@
           <p:cNvPr id="2" name="标题 1">
             <a:extLst>
               <a:ext uri="{FF2B5EF4-FFF2-40B4-BE49-F238E27FC236}">
-                <a16:creationId xmlns:a16="http://schemas.microsoft.com/office/drawing/2014/main" id="{3F4E7F31-6CFD-106A-68B7-A63E715AC4AC}"/>
+                <a16:creationId xmlns:a16="http://schemas.microsoft.com/office/drawing/2014/main" id="{B5EEE357-4C8D-E99E-81AD-C6880EB25770}"/>
               </a:ext>
             </a:extLst>
           </p:cNvPr>
@@ -377,7 +377,7 @@
           <p:cNvPr id="3" name="竖排文字占位符 2">
             <a:extLst>
               <a:ext uri="{FF2B5EF4-FFF2-40B4-BE49-F238E27FC236}">
-                <a16:creationId xmlns:a16="http://schemas.microsoft.com/office/drawing/2014/main" id="{1660719C-07AB-6C44-5715-4496B80A4488}"/>
+                <a16:creationId xmlns:a16="http://schemas.microsoft.com/office/drawing/2014/main" id="{D76CCCED-0458-C788-6535-E05FAF27B0F3}"/>
               </a:ext>
             </a:extLst>
           </p:cNvPr>
@@ -434,7 +434,7 @@
           <p:cNvPr id="4" name="日期占位符 3">
             <a:extLst>
               <a:ext uri="{FF2B5EF4-FFF2-40B4-BE49-F238E27FC236}">
-                <a16:creationId xmlns:a16="http://schemas.microsoft.com/office/drawing/2014/main" id="{7489D449-D263-7232-9220-9BE060B85AE1}"/>
+                <a16:creationId xmlns:a16="http://schemas.microsoft.com/office/drawing/2014/main" id="{24838449-7BB4-955F-E47E-161285AF5957}"/>
               </a:ext>
             </a:extLst>
           </p:cNvPr>
@@ -450,7 +450,7 @@
           <a:bodyPr/>
           <a:lstStyle/>
           <a:p>
-            <a:fld id="{F103E9AC-8A07-40EA-BB0C-38A6C1DF9A3E}" type="datetimeFigureOut">
+            <a:fld id="{30252947-A090-498E-912A-2D5DD1E9FB7D}" type="datetimeFigureOut">
               <a:rPr lang="zh-CN" altLang="en-US" smtClean="0"/>
               <a:t>2024/3/10</a:t>
             </a:fld>
@@ -463,7 +463,7 @@
           <p:cNvPr id="5" name="页脚占位符 4">
             <a:extLst>
               <a:ext uri="{FF2B5EF4-FFF2-40B4-BE49-F238E27FC236}">
-                <a16:creationId xmlns:a16="http://schemas.microsoft.com/office/drawing/2014/main" id="{068F4828-C576-24F0-EC9C-8DCDC4BDC344}"/>
+                <a16:creationId xmlns:a16="http://schemas.microsoft.com/office/drawing/2014/main" id="{2340B078-505E-31DE-2652-CA19DA809728}"/>
               </a:ext>
             </a:extLst>
           </p:cNvPr>
@@ -488,7 +488,7 @@
           <p:cNvPr id="6" name="灯片编号占位符 5">
             <a:extLst>
               <a:ext uri="{FF2B5EF4-FFF2-40B4-BE49-F238E27FC236}">
-                <a16:creationId xmlns:a16="http://schemas.microsoft.com/office/drawing/2014/main" id="{FF5A2DFF-AA81-6BBE-3A87-7A5133779E60}"/>
+                <a16:creationId xmlns:a16="http://schemas.microsoft.com/office/drawing/2014/main" id="{0CF9267C-E272-DDE8-878C-9F863CDBB56B}"/>
               </a:ext>
             </a:extLst>
           </p:cNvPr>
@@ -504,7 +504,7 @@
           <a:bodyPr/>
           <a:lstStyle/>
           <a:p>
-            <a:fld id="{0F22AC00-330D-45AE-9FF1-B952CE0DA27E}" type="slidenum">
+            <a:fld id="{11B80E5D-0A0F-4D55-95CC-57966BF29772}" type="slidenum">
               <a:rPr lang="zh-CN" altLang="en-US" smtClean="0"/>
               <a:t>‹#›</a:t>
             </a:fld>
@@ -515,7 +515,7 @@
     </p:spTree>
     <p:extLst>
       <p:ext uri="{BB962C8B-B14F-4D97-AF65-F5344CB8AC3E}">
-        <p14:creationId xmlns:p14="http://schemas.microsoft.com/office/powerpoint/2010/main" val="2613478666"/>
+        <p14:creationId xmlns:p14="http://schemas.microsoft.com/office/powerpoint/2010/main" val="870437255"/>
       </p:ext>
     </p:extLst>
   </p:cSld>
@@ -547,7 +547,7 @@
           <p:cNvPr id="2" name="竖排标题 1">
             <a:extLst>
               <a:ext uri="{FF2B5EF4-FFF2-40B4-BE49-F238E27FC236}">
-                <a16:creationId xmlns:a16="http://schemas.microsoft.com/office/drawing/2014/main" id="{4CA75D01-914C-090D-979C-FD0996474EEE}"/>
+                <a16:creationId xmlns:a16="http://schemas.microsoft.com/office/drawing/2014/main" id="{2458DAA9-FA73-1973-D324-1A1D4A2A0262}"/>
               </a:ext>
             </a:extLst>
           </p:cNvPr>
@@ -580,7 +580,7 @@
           <p:cNvPr id="3" name="竖排文字占位符 2">
             <a:extLst>
               <a:ext uri="{FF2B5EF4-FFF2-40B4-BE49-F238E27FC236}">
-                <a16:creationId xmlns:a16="http://schemas.microsoft.com/office/drawing/2014/main" id="{BFEBE4DA-1A80-90FC-6F35-BCA69260DA49}"/>
+                <a16:creationId xmlns:a16="http://schemas.microsoft.com/office/drawing/2014/main" id="{5CF0F3CA-3C6A-FF10-BF76-DCAF11D683F6}"/>
               </a:ext>
             </a:extLst>
           </p:cNvPr>
@@ -642,7 +642,7 @@
           <p:cNvPr id="4" name="日期占位符 3">
             <a:extLst>
               <a:ext uri="{FF2B5EF4-FFF2-40B4-BE49-F238E27FC236}">
-                <a16:creationId xmlns:a16="http://schemas.microsoft.com/office/drawing/2014/main" id="{7FFE99C3-0881-32E5-89A0-FC0F47D0AC80}"/>
+                <a16:creationId xmlns:a16="http://schemas.microsoft.com/office/drawing/2014/main" id="{16444826-81FF-8895-DCE5-819CFDC2B5C7}"/>
               </a:ext>
             </a:extLst>
           </p:cNvPr>
@@ -658,7 +658,7 @@
           <a:bodyPr/>
           <a:lstStyle/>
           <a:p>
-            <a:fld id="{F103E9AC-8A07-40EA-BB0C-38A6C1DF9A3E}" type="datetimeFigureOut">
+            <a:fld id="{30252947-A090-498E-912A-2D5DD1E9FB7D}" type="datetimeFigureOut">
               <a:rPr lang="zh-CN" altLang="en-US" smtClean="0"/>
               <a:t>2024/3/10</a:t>
             </a:fld>
@@ -671,7 +671,7 @@
           <p:cNvPr id="5" name="页脚占位符 4">
             <a:extLst>
               <a:ext uri="{FF2B5EF4-FFF2-40B4-BE49-F238E27FC236}">
-                <a16:creationId xmlns:a16="http://schemas.microsoft.com/office/drawing/2014/main" id="{AE7D3E02-8545-B575-1BB8-E936D3397EE2}"/>
+                <a16:creationId xmlns:a16="http://schemas.microsoft.com/office/drawing/2014/main" id="{4F70329D-8B4A-AE22-B78E-923ADF267EE5}"/>
               </a:ext>
             </a:extLst>
           </p:cNvPr>
@@ -696,7 +696,7 @@
           <p:cNvPr id="6" name="灯片编号占位符 5">
             <a:extLst>
               <a:ext uri="{FF2B5EF4-FFF2-40B4-BE49-F238E27FC236}">
-                <a16:creationId xmlns:a16="http://schemas.microsoft.com/office/drawing/2014/main" id="{37F67373-248A-8BAC-89B2-7F234C1E46FB}"/>
+                <a16:creationId xmlns:a16="http://schemas.microsoft.com/office/drawing/2014/main" id="{411AE414-9612-7BC5-0954-26FDE6F5DE47}"/>
               </a:ext>
             </a:extLst>
           </p:cNvPr>
@@ -712,7 +712,7 @@
           <a:bodyPr/>
           <a:lstStyle/>
           <a:p>
-            <a:fld id="{0F22AC00-330D-45AE-9FF1-B952CE0DA27E}" type="slidenum">
+            <a:fld id="{11B80E5D-0A0F-4D55-95CC-57966BF29772}" type="slidenum">
               <a:rPr lang="zh-CN" altLang="en-US" smtClean="0"/>
               <a:t>‹#›</a:t>
             </a:fld>
@@ -723,7 +723,7 @@
     </p:spTree>
     <p:extLst>
       <p:ext uri="{BB962C8B-B14F-4D97-AF65-F5344CB8AC3E}">
-        <p14:creationId xmlns:p14="http://schemas.microsoft.com/office/powerpoint/2010/main" val="2248002140"/>
+        <p14:creationId xmlns:p14="http://schemas.microsoft.com/office/powerpoint/2010/main" val="3973726545"/>
       </p:ext>
     </p:extLst>
   </p:cSld>
@@ -755,7 +755,7 @@
           <p:cNvPr id="2" name="标题 1">
             <a:extLst>
               <a:ext uri="{FF2B5EF4-FFF2-40B4-BE49-F238E27FC236}">
-                <a16:creationId xmlns:a16="http://schemas.microsoft.com/office/drawing/2014/main" id="{3872C4D8-A324-B1CB-41DE-DBF0952845D9}"/>
+                <a16:creationId xmlns:a16="http://schemas.microsoft.com/office/drawing/2014/main" id="{F916F675-86C1-0C98-E11A-A97CDB502792}"/>
               </a:ext>
             </a:extLst>
           </p:cNvPr>
@@ -783,7 +783,7 @@
           <p:cNvPr id="3" name="内容占位符 2">
             <a:extLst>
               <a:ext uri="{FF2B5EF4-FFF2-40B4-BE49-F238E27FC236}">
-                <a16:creationId xmlns:a16="http://schemas.microsoft.com/office/drawing/2014/main" id="{40AC0A1A-4192-F8D3-9CC9-1B5E00F64676}"/>
+                <a16:creationId xmlns:a16="http://schemas.microsoft.com/office/drawing/2014/main" id="{5C3285CE-0B34-5484-C680-159DB2CD0819}"/>
               </a:ext>
             </a:extLst>
           </p:cNvPr>
@@ -840,7 +840,7 @@
           <p:cNvPr id="4" name="日期占位符 3">
             <a:extLst>
               <a:ext uri="{FF2B5EF4-FFF2-40B4-BE49-F238E27FC236}">
-                <a16:creationId xmlns:a16="http://schemas.microsoft.com/office/drawing/2014/main" id="{9C48BD1B-AE09-5BED-2562-111061B118A9}"/>
+                <a16:creationId xmlns:a16="http://schemas.microsoft.com/office/drawing/2014/main" id="{471AC48A-FAA1-1076-2B4F-23C2FA497674}"/>
               </a:ext>
             </a:extLst>
           </p:cNvPr>
@@ -856,7 +856,7 @@
           <a:bodyPr/>
           <a:lstStyle/>
           <a:p>
-            <a:fld id="{F103E9AC-8A07-40EA-BB0C-38A6C1DF9A3E}" type="datetimeFigureOut">
+            <a:fld id="{30252947-A090-498E-912A-2D5DD1E9FB7D}" type="datetimeFigureOut">
               <a:rPr lang="zh-CN" altLang="en-US" smtClean="0"/>
               <a:t>2024/3/10</a:t>
             </a:fld>
@@ -869,7 +869,7 @@
           <p:cNvPr id="5" name="页脚占位符 4">
             <a:extLst>
               <a:ext uri="{FF2B5EF4-FFF2-40B4-BE49-F238E27FC236}">
-                <a16:creationId xmlns:a16="http://schemas.microsoft.com/office/drawing/2014/main" id="{15FDDFFC-A642-82A1-C225-46B63328903A}"/>
+                <a16:creationId xmlns:a16="http://schemas.microsoft.com/office/drawing/2014/main" id="{356B6DD6-D3F4-2373-4712-4E169D2D3DBD}"/>
               </a:ext>
             </a:extLst>
           </p:cNvPr>
@@ -894,7 +894,7 @@
           <p:cNvPr id="6" name="灯片编号占位符 5">
             <a:extLst>
               <a:ext uri="{FF2B5EF4-FFF2-40B4-BE49-F238E27FC236}">
-                <a16:creationId xmlns:a16="http://schemas.microsoft.com/office/drawing/2014/main" id="{870DA376-0373-B7E0-E6B6-AB8D2CD7D3B4}"/>
+                <a16:creationId xmlns:a16="http://schemas.microsoft.com/office/drawing/2014/main" id="{8B3D6AEA-90DF-D8DE-F104-2FF4BEFFB928}"/>
               </a:ext>
             </a:extLst>
           </p:cNvPr>
@@ -910,7 +910,7 @@
           <a:bodyPr/>
           <a:lstStyle/>
           <a:p>
-            <a:fld id="{0F22AC00-330D-45AE-9FF1-B952CE0DA27E}" type="slidenum">
+            <a:fld id="{11B80E5D-0A0F-4D55-95CC-57966BF29772}" type="slidenum">
               <a:rPr lang="zh-CN" altLang="en-US" smtClean="0"/>
               <a:t>‹#›</a:t>
             </a:fld>
@@ -921,7 +921,7 @@
     </p:spTree>
     <p:extLst>
       <p:ext uri="{BB962C8B-B14F-4D97-AF65-F5344CB8AC3E}">
-        <p14:creationId xmlns:p14="http://schemas.microsoft.com/office/powerpoint/2010/main" val="2076519293"/>
+        <p14:creationId xmlns:p14="http://schemas.microsoft.com/office/powerpoint/2010/main" val="3848091373"/>
       </p:ext>
     </p:extLst>
   </p:cSld>
@@ -953,7 +953,7 @@
           <p:cNvPr id="2" name="标题 1">
             <a:extLst>
               <a:ext uri="{FF2B5EF4-FFF2-40B4-BE49-F238E27FC236}">
-                <a16:creationId xmlns:a16="http://schemas.microsoft.com/office/drawing/2014/main" id="{C23AD9E0-52CA-DA7E-DF99-EE4A35566FD6}"/>
+                <a16:creationId xmlns:a16="http://schemas.microsoft.com/office/drawing/2014/main" id="{888908F6-64AE-30B3-9394-4BF029F29731}"/>
               </a:ext>
             </a:extLst>
           </p:cNvPr>
@@ -990,7 +990,7 @@
           <p:cNvPr id="3" name="文本占位符 2">
             <a:extLst>
               <a:ext uri="{FF2B5EF4-FFF2-40B4-BE49-F238E27FC236}">
-                <a16:creationId xmlns:a16="http://schemas.microsoft.com/office/drawing/2014/main" id="{70717EE9-6019-95F0-1582-EE0F7767A4AD}"/>
+                <a16:creationId xmlns:a16="http://schemas.microsoft.com/office/drawing/2014/main" id="{906B3DC8-9A01-2F55-48B9-609358310828}"/>
               </a:ext>
             </a:extLst>
           </p:cNvPr>
@@ -1115,7 +1115,7 @@
           <p:cNvPr id="4" name="日期占位符 3">
             <a:extLst>
               <a:ext uri="{FF2B5EF4-FFF2-40B4-BE49-F238E27FC236}">
-                <a16:creationId xmlns:a16="http://schemas.microsoft.com/office/drawing/2014/main" id="{88B2313F-0A59-8B0A-B21A-79AE8DEEBDBD}"/>
+                <a16:creationId xmlns:a16="http://schemas.microsoft.com/office/drawing/2014/main" id="{33212E6E-3481-D435-5183-53656B57856E}"/>
               </a:ext>
             </a:extLst>
           </p:cNvPr>
@@ -1131,7 +1131,7 @@
           <a:bodyPr/>
           <a:lstStyle/>
           <a:p>
-            <a:fld id="{F103E9AC-8A07-40EA-BB0C-38A6C1DF9A3E}" type="datetimeFigureOut">
+            <a:fld id="{30252947-A090-498E-912A-2D5DD1E9FB7D}" type="datetimeFigureOut">
               <a:rPr lang="zh-CN" altLang="en-US" smtClean="0"/>
               <a:t>2024/3/10</a:t>
             </a:fld>
@@ -1144,7 +1144,7 @@
           <p:cNvPr id="5" name="页脚占位符 4">
             <a:extLst>
               <a:ext uri="{FF2B5EF4-FFF2-40B4-BE49-F238E27FC236}">
-                <a16:creationId xmlns:a16="http://schemas.microsoft.com/office/drawing/2014/main" id="{E230EDD5-9B3D-FA33-EED1-36CF5442C6E4}"/>
+                <a16:creationId xmlns:a16="http://schemas.microsoft.com/office/drawing/2014/main" id="{2D54633D-1A35-56C9-3FDB-8E62FF3BBDA4}"/>
               </a:ext>
             </a:extLst>
           </p:cNvPr>
@@ -1169,7 +1169,7 @@
           <p:cNvPr id="6" name="灯片编号占位符 5">
             <a:extLst>
               <a:ext uri="{FF2B5EF4-FFF2-40B4-BE49-F238E27FC236}">
-                <a16:creationId xmlns:a16="http://schemas.microsoft.com/office/drawing/2014/main" id="{B02F1EA2-8B0B-0E4E-9F1F-96B02E764541}"/>
+                <a16:creationId xmlns:a16="http://schemas.microsoft.com/office/drawing/2014/main" id="{DA07F509-1022-BDDA-EE65-14FA7140B262}"/>
               </a:ext>
             </a:extLst>
           </p:cNvPr>
@@ -1185,7 +1185,7 @@
           <a:bodyPr/>
           <a:lstStyle/>
           <a:p>
-            <a:fld id="{0F22AC00-330D-45AE-9FF1-B952CE0DA27E}" type="slidenum">
+            <a:fld id="{11B80E5D-0A0F-4D55-95CC-57966BF29772}" type="slidenum">
               <a:rPr lang="zh-CN" altLang="en-US" smtClean="0"/>
               <a:t>‹#›</a:t>
             </a:fld>
@@ -1196,7 +1196,7 @@
     </p:spTree>
     <p:extLst>
       <p:ext uri="{BB962C8B-B14F-4D97-AF65-F5344CB8AC3E}">
-        <p14:creationId xmlns:p14="http://schemas.microsoft.com/office/powerpoint/2010/main" val="1227519482"/>
+        <p14:creationId xmlns:p14="http://schemas.microsoft.com/office/powerpoint/2010/main" val="4234575554"/>
       </p:ext>
     </p:extLst>
   </p:cSld>
@@ -1228,7 +1228,7 @@
           <p:cNvPr id="2" name="标题 1">
             <a:extLst>
               <a:ext uri="{FF2B5EF4-FFF2-40B4-BE49-F238E27FC236}">
-                <a16:creationId xmlns:a16="http://schemas.microsoft.com/office/drawing/2014/main" id="{A649633D-2343-808E-B240-FE901096FD7C}"/>
+                <a16:creationId xmlns:a16="http://schemas.microsoft.com/office/drawing/2014/main" id="{90132431-5B92-58A7-6C4C-A633E6764012}"/>
               </a:ext>
             </a:extLst>
           </p:cNvPr>
@@ -1256,7 +1256,7 @@
           <p:cNvPr id="3" name="内容占位符 2">
             <a:extLst>
               <a:ext uri="{FF2B5EF4-FFF2-40B4-BE49-F238E27FC236}">
-                <a16:creationId xmlns:a16="http://schemas.microsoft.com/office/drawing/2014/main" id="{B88B7EB1-EF4E-7924-C6D2-A69EBBE1B381}"/>
+                <a16:creationId xmlns:a16="http://schemas.microsoft.com/office/drawing/2014/main" id="{E225BE8E-0798-76E1-E421-2609D7F180CB}"/>
               </a:ext>
             </a:extLst>
           </p:cNvPr>
@@ -1318,7 +1318,7 @@
           <p:cNvPr id="4" name="内容占位符 3">
             <a:extLst>
               <a:ext uri="{FF2B5EF4-FFF2-40B4-BE49-F238E27FC236}">
-                <a16:creationId xmlns:a16="http://schemas.microsoft.com/office/drawing/2014/main" id="{E6375347-F7A3-FCDD-648C-A1FCD1A062C8}"/>
+                <a16:creationId xmlns:a16="http://schemas.microsoft.com/office/drawing/2014/main" id="{64EBD1B0-DB5F-683F-952C-EAA1535EAC52}"/>
               </a:ext>
             </a:extLst>
           </p:cNvPr>
@@ -1380,7 +1380,7 @@
           <p:cNvPr id="5" name="日期占位符 4">
             <a:extLst>
               <a:ext uri="{FF2B5EF4-FFF2-40B4-BE49-F238E27FC236}">
-                <a16:creationId xmlns:a16="http://schemas.microsoft.com/office/drawing/2014/main" id="{38DE373D-E48F-11E4-5D56-419FC7A17455}"/>
+                <a16:creationId xmlns:a16="http://schemas.microsoft.com/office/drawing/2014/main" id="{61EFF9FD-97FC-10C5-21A1-8E8D2084971E}"/>
               </a:ext>
             </a:extLst>
           </p:cNvPr>
@@ -1396,7 +1396,7 @@
           <a:bodyPr/>
           <a:lstStyle/>
           <a:p>
-            <a:fld id="{F103E9AC-8A07-40EA-BB0C-38A6C1DF9A3E}" type="datetimeFigureOut">
+            <a:fld id="{30252947-A090-498E-912A-2D5DD1E9FB7D}" type="datetimeFigureOut">
               <a:rPr lang="zh-CN" altLang="en-US" smtClean="0"/>
               <a:t>2024/3/10</a:t>
             </a:fld>
@@ -1409,7 +1409,7 @@
           <p:cNvPr id="6" name="页脚占位符 5">
             <a:extLst>
               <a:ext uri="{FF2B5EF4-FFF2-40B4-BE49-F238E27FC236}">
-                <a16:creationId xmlns:a16="http://schemas.microsoft.com/office/drawing/2014/main" id="{189B640B-9A33-AADC-95CA-046E2DA15AE2}"/>
+                <a16:creationId xmlns:a16="http://schemas.microsoft.com/office/drawing/2014/main" id="{3170F2E6-8CE8-68C1-CCD9-BD9FBF257139}"/>
               </a:ext>
             </a:extLst>
           </p:cNvPr>
@@ -1434,7 +1434,7 @@
           <p:cNvPr id="7" name="灯片编号占位符 6">
             <a:extLst>
               <a:ext uri="{FF2B5EF4-FFF2-40B4-BE49-F238E27FC236}">
-                <a16:creationId xmlns:a16="http://schemas.microsoft.com/office/drawing/2014/main" id="{6F4096F6-E8BE-CFE7-222F-966DE577A449}"/>
+                <a16:creationId xmlns:a16="http://schemas.microsoft.com/office/drawing/2014/main" id="{FE038623-EDA1-78FE-83C6-F2F6A1C8EADB}"/>
               </a:ext>
             </a:extLst>
           </p:cNvPr>
@@ -1450,7 +1450,7 @@
           <a:bodyPr/>
           <a:lstStyle/>
           <a:p>
-            <a:fld id="{0F22AC00-330D-45AE-9FF1-B952CE0DA27E}" type="slidenum">
+            <a:fld id="{11B80E5D-0A0F-4D55-95CC-57966BF29772}" type="slidenum">
               <a:rPr lang="zh-CN" altLang="en-US" smtClean="0"/>
               <a:t>‹#›</a:t>
             </a:fld>
@@ -1461,7 +1461,7 @@
     </p:spTree>
     <p:extLst>
       <p:ext uri="{BB962C8B-B14F-4D97-AF65-F5344CB8AC3E}">
-        <p14:creationId xmlns:p14="http://schemas.microsoft.com/office/powerpoint/2010/main" val="1075811092"/>
+        <p14:creationId xmlns:p14="http://schemas.microsoft.com/office/powerpoint/2010/main" val="1658267345"/>
       </p:ext>
     </p:extLst>
   </p:cSld>
@@ -1493,7 +1493,7 @@
           <p:cNvPr id="2" name="标题 1">
             <a:extLst>
               <a:ext uri="{FF2B5EF4-FFF2-40B4-BE49-F238E27FC236}">
-                <a16:creationId xmlns:a16="http://schemas.microsoft.com/office/drawing/2014/main" id="{7F0B717F-D47A-08CC-1E12-F88BAEEEA7D5}"/>
+                <a16:creationId xmlns:a16="http://schemas.microsoft.com/office/drawing/2014/main" id="{A52A011D-E4CD-6657-0939-B6EE2B8F7BAE}"/>
               </a:ext>
             </a:extLst>
           </p:cNvPr>
@@ -1526,7 +1526,7 @@
           <p:cNvPr id="3" name="文本占位符 2">
             <a:extLst>
               <a:ext uri="{FF2B5EF4-FFF2-40B4-BE49-F238E27FC236}">
-                <a16:creationId xmlns:a16="http://schemas.microsoft.com/office/drawing/2014/main" id="{69BF1D55-16C2-83FA-C199-341B445F6997}"/>
+                <a16:creationId xmlns:a16="http://schemas.microsoft.com/office/drawing/2014/main" id="{14FCBA1D-9EB1-D88B-85EF-E7600D0017C2}"/>
               </a:ext>
             </a:extLst>
           </p:cNvPr>
@@ -1597,7 +1597,7 @@
           <p:cNvPr id="4" name="内容占位符 3">
             <a:extLst>
               <a:ext uri="{FF2B5EF4-FFF2-40B4-BE49-F238E27FC236}">
-                <a16:creationId xmlns:a16="http://schemas.microsoft.com/office/drawing/2014/main" id="{245957D1-76D5-7917-90C3-417F98577711}"/>
+                <a16:creationId xmlns:a16="http://schemas.microsoft.com/office/drawing/2014/main" id="{D0050D36-87F7-08C3-DFA5-B10D6654FC55}"/>
               </a:ext>
             </a:extLst>
           </p:cNvPr>
@@ -1659,7 +1659,7 @@
           <p:cNvPr id="5" name="文本占位符 4">
             <a:extLst>
               <a:ext uri="{FF2B5EF4-FFF2-40B4-BE49-F238E27FC236}">
-                <a16:creationId xmlns:a16="http://schemas.microsoft.com/office/drawing/2014/main" id="{3F770B41-4DEE-B9AF-CD2B-B941B32007DD}"/>
+                <a16:creationId xmlns:a16="http://schemas.microsoft.com/office/drawing/2014/main" id="{116B0DAC-C44D-50AB-DFE3-D928CC7BE36C}"/>
               </a:ext>
             </a:extLst>
           </p:cNvPr>
@@ -1730,7 +1730,7 @@
           <p:cNvPr id="6" name="内容占位符 5">
             <a:extLst>
               <a:ext uri="{FF2B5EF4-FFF2-40B4-BE49-F238E27FC236}">
-                <a16:creationId xmlns:a16="http://schemas.microsoft.com/office/drawing/2014/main" id="{E26C29C2-0517-5717-2C4A-70C13A881300}"/>
+                <a16:creationId xmlns:a16="http://schemas.microsoft.com/office/drawing/2014/main" id="{B7E35976-EF6E-3AFB-E330-A793A8CC5FFC}"/>
               </a:ext>
             </a:extLst>
           </p:cNvPr>
@@ -1792,7 +1792,7 @@
           <p:cNvPr id="7" name="日期占位符 6">
             <a:extLst>
               <a:ext uri="{FF2B5EF4-FFF2-40B4-BE49-F238E27FC236}">
-                <a16:creationId xmlns:a16="http://schemas.microsoft.com/office/drawing/2014/main" id="{A948990E-5CAF-026F-D483-B8FEA69E2C56}"/>
+                <a16:creationId xmlns:a16="http://schemas.microsoft.com/office/drawing/2014/main" id="{E91EEAA2-7A80-D99F-2E27-0246E1172ADD}"/>
               </a:ext>
             </a:extLst>
           </p:cNvPr>
@@ -1808,7 +1808,7 @@
           <a:bodyPr/>
           <a:lstStyle/>
           <a:p>
-            <a:fld id="{F103E9AC-8A07-40EA-BB0C-38A6C1DF9A3E}" type="datetimeFigureOut">
+            <a:fld id="{30252947-A090-498E-912A-2D5DD1E9FB7D}" type="datetimeFigureOut">
               <a:rPr lang="zh-CN" altLang="en-US" smtClean="0"/>
               <a:t>2024/3/10</a:t>
             </a:fld>
@@ -1821,7 +1821,7 @@
           <p:cNvPr id="8" name="页脚占位符 7">
             <a:extLst>
               <a:ext uri="{FF2B5EF4-FFF2-40B4-BE49-F238E27FC236}">
-                <a16:creationId xmlns:a16="http://schemas.microsoft.com/office/drawing/2014/main" id="{FF69E6F5-5E94-B7DB-375B-1AF342661DC7}"/>
+                <a16:creationId xmlns:a16="http://schemas.microsoft.com/office/drawing/2014/main" id="{6FDC43AC-FBEF-909F-BC08-BF481A52E6F8}"/>
               </a:ext>
             </a:extLst>
           </p:cNvPr>
@@ -1846,7 +1846,7 @@
           <p:cNvPr id="9" name="灯片编号占位符 8">
             <a:extLst>
               <a:ext uri="{FF2B5EF4-FFF2-40B4-BE49-F238E27FC236}">
-                <a16:creationId xmlns:a16="http://schemas.microsoft.com/office/drawing/2014/main" id="{8FFF3E55-C0BD-1F55-3A12-70C1CADA60DE}"/>
+                <a16:creationId xmlns:a16="http://schemas.microsoft.com/office/drawing/2014/main" id="{DD290223-C3C3-525B-AD5B-2E08EE5FB619}"/>
               </a:ext>
             </a:extLst>
           </p:cNvPr>
@@ -1862,7 +1862,7 @@
           <a:bodyPr/>
           <a:lstStyle/>
           <a:p>
-            <a:fld id="{0F22AC00-330D-45AE-9FF1-B952CE0DA27E}" type="slidenum">
+            <a:fld id="{11B80E5D-0A0F-4D55-95CC-57966BF29772}" type="slidenum">
               <a:rPr lang="zh-CN" altLang="en-US" smtClean="0"/>
               <a:t>‹#›</a:t>
             </a:fld>
@@ -1873,7 +1873,7 @@
     </p:spTree>
     <p:extLst>
       <p:ext uri="{BB962C8B-B14F-4D97-AF65-F5344CB8AC3E}">
-        <p14:creationId xmlns:p14="http://schemas.microsoft.com/office/powerpoint/2010/main" val="1675912461"/>
+        <p14:creationId xmlns:p14="http://schemas.microsoft.com/office/powerpoint/2010/main" val="2345646016"/>
       </p:ext>
     </p:extLst>
   </p:cSld>
@@ -1905,7 +1905,7 @@
           <p:cNvPr id="2" name="标题 1">
             <a:extLst>
               <a:ext uri="{FF2B5EF4-FFF2-40B4-BE49-F238E27FC236}">
-                <a16:creationId xmlns:a16="http://schemas.microsoft.com/office/drawing/2014/main" id="{1FFA3CCB-829C-42F4-91AD-02A9D5094B6E}"/>
+                <a16:creationId xmlns:a16="http://schemas.microsoft.com/office/drawing/2014/main" id="{BE963988-E619-F951-B6B3-88B754288199}"/>
               </a:ext>
             </a:extLst>
           </p:cNvPr>
@@ -1933,7 +1933,7 @@
           <p:cNvPr id="3" name="日期占位符 2">
             <a:extLst>
               <a:ext uri="{FF2B5EF4-FFF2-40B4-BE49-F238E27FC236}">
-                <a16:creationId xmlns:a16="http://schemas.microsoft.com/office/drawing/2014/main" id="{FE177487-A3E1-6840-7159-26FE3C49F490}"/>
+                <a16:creationId xmlns:a16="http://schemas.microsoft.com/office/drawing/2014/main" id="{8A75D729-D35B-9193-7F2F-0F4344A09859}"/>
               </a:ext>
             </a:extLst>
           </p:cNvPr>
@@ -1949,7 +1949,7 @@
           <a:bodyPr/>
           <a:lstStyle/>
           <a:p>
-            <a:fld id="{F103E9AC-8A07-40EA-BB0C-38A6C1DF9A3E}" type="datetimeFigureOut">
+            <a:fld id="{30252947-A090-498E-912A-2D5DD1E9FB7D}" type="datetimeFigureOut">
               <a:rPr lang="zh-CN" altLang="en-US" smtClean="0"/>
               <a:t>2024/3/10</a:t>
             </a:fld>
@@ -1962,7 +1962,7 @@
           <p:cNvPr id="4" name="页脚占位符 3">
             <a:extLst>
               <a:ext uri="{FF2B5EF4-FFF2-40B4-BE49-F238E27FC236}">
-                <a16:creationId xmlns:a16="http://schemas.microsoft.com/office/drawing/2014/main" id="{870B0F36-9C4B-0DA8-3197-B8C4D89E4499}"/>
+                <a16:creationId xmlns:a16="http://schemas.microsoft.com/office/drawing/2014/main" id="{617FE1DF-51AA-CFE2-9870-C69179868BDC}"/>
               </a:ext>
             </a:extLst>
           </p:cNvPr>
@@ -1987,7 +1987,7 @@
           <p:cNvPr id="5" name="灯片编号占位符 4">
             <a:extLst>
               <a:ext uri="{FF2B5EF4-FFF2-40B4-BE49-F238E27FC236}">
-                <a16:creationId xmlns:a16="http://schemas.microsoft.com/office/drawing/2014/main" id="{BCCF3AAF-6ACA-8E60-BD4C-3FB15B56F394}"/>
+                <a16:creationId xmlns:a16="http://schemas.microsoft.com/office/drawing/2014/main" id="{F8524077-9BCD-59FD-ED7A-EC54767E8E68}"/>
               </a:ext>
             </a:extLst>
           </p:cNvPr>
@@ -2003,7 +2003,7 @@
           <a:bodyPr/>
           <a:lstStyle/>
           <a:p>
-            <a:fld id="{0F22AC00-330D-45AE-9FF1-B952CE0DA27E}" type="slidenum">
+            <a:fld id="{11B80E5D-0A0F-4D55-95CC-57966BF29772}" type="slidenum">
               <a:rPr lang="zh-CN" altLang="en-US" smtClean="0"/>
               <a:t>‹#›</a:t>
             </a:fld>
@@ -2014,7 +2014,7 @@
     </p:spTree>
     <p:extLst>
       <p:ext uri="{BB962C8B-B14F-4D97-AF65-F5344CB8AC3E}">
-        <p14:creationId xmlns:p14="http://schemas.microsoft.com/office/powerpoint/2010/main" val="3800617766"/>
+        <p14:creationId xmlns:p14="http://schemas.microsoft.com/office/powerpoint/2010/main" val="27623760"/>
       </p:ext>
     </p:extLst>
   </p:cSld>
@@ -2046,7 +2046,7 @@
           <p:cNvPr id="2" name="日期占位符 1">
             <a:extLst>
               <a:ext uri="{FF2B5EF4-FFF2-40B4-BE49-F238E27FC236}">
-                <a16:creationId xmlns:a16="http://schemas.microsoft.com/office/drawing/2014/main" id="{CA3D66AD-6A2F-83F4-D24F-176582508BA4}"/>
+                <a16:creationId xmlns:a16="http://schemas.microsoft.com/office/drawing/2014/main" id="{591ECD21-ABB3-A07F-5F0D-4A08356D7C5C}"/>
               </a:ext>
             </a:extLst>
           </p:cNvPr>
@@ -2062,7 +2062,7 @@
           <a:bodyPr/>
           <a:lstStyle/>
           <a:p>
-            <a:fld id="{F103E9AC-8A07-40EA-BB0C-38A6C1DF9A3E}" type="datetimeFigureOut">
+            <a:fld id="{30252947-A090-498E-912A-2D5DD1E9FB7D}" type="datetimeFigureOut">
               <a:rPr lang="zh-CN" altLang="en-US" smtClean="0"/>
               <a:t>2024/3/10</a:t>
             </a:fld>
@@ -2075,7 +2075,7 @@
           <p:cNvPr id="3" name="页脚占位符 2">
             <a:extLst>
               <a:ext uri="{FF2B5EF4-FFF2-40B4-BE49-F238E27FC236}">
-                <a16:creationId xmlns:a16="http://schemas.microsoft.com/office/drawing/2014/main" id="{9D25B32D-B1C3-FAA5-F93D-2215A86EE0CD}"/>
+                <a16:creationId xmlns:a16="http://schemas.microsoft.com/office/drawing/2014/main" id="{E60E8C3E-29CE-9F68-2321-9FDE03A7A663}"/>
               </a:ext>
             </a:extLst>
           </p:cNvPr>
@@ -2100,7 +2100,7 @@
           <p:cNvPr id="4" name="灯片编号占位符 3">
             <a:extLst>
               <a:ext uri="{FF2B5EF4-FFF2-40B4-BE49-F238E27FC236}">
-                <a16:creationId xmlns:a16="http://schemas.microsoft.com/office/drawing/2014/main" id="{4E9BBF8F-CCC2-D970-9904-E4094B539160}"/>
+                <a16:creationId xmlns:a16="http://schemas.microsoft.com/office/drawing/2014/main" id="{5DE1C624-08C5-F89B-64BC-F038EBD96718}"/>
               </a:ext>
             </a:extLst>
           </p:cNvPr>
@@ -2116,7 +2116,7 @@
           <a:bodyPr/>
           <a:lstStyle/>
           <a:p>
-            <a:fld id="{0F22AC00-330D-45AE-9FF1-B952CE0DA27E}" type="slidenum">
+            <a:fld id="{11B80E5D-0A0F-4D55-95CC-57966BF29772}" type="slidenum">
               <a:rPr lang="zh-CN" altLang="en-US" smtClean="0"/>
               <a:t>‹#›</a:t>
             </a:fld>
@@ -2127,7 +2127,7 @@
     </p:spTree>
     <p:extLst>
       <p:ext uri="{BB962C8B-B14F-4D97-AF65-F5344CB8AC3E}">
-        <p14:creationId xmlns:p14="http://schemas.microsoft.com/office/powerpoint/2010/main" val="881571249"/>
+        <p14:creationId xmlns:p14="http://schemas.microsoft.com/office/powerpoint/2010/main" val="1041333657"/>
       </p:ext>
     </p:extLst>
   </p:cSld>
@@ -2159,7 +2159,7 @@
           <p:cNvPr id="2" name="标题 1">
             <a:extLst>
               <a:ext uri="{FF2B5EF4-FFF2-40B4-BE49-F238E27FC236}">
-                <a16:creationId xmlns:a16="http://schemas.microsoft.com/office/drawing/2014/main" id="{CD5BDB9B-BE86-7B5C-F1A6-2157DC88B999}"/>
+                <a16:creationId xmlns:a16="http://schemas.microsoft.com/office/drawing/2014/main" id="{93F231EA-1704-8C68-4DA0-B88A34A5AF2F}"/>
               </a:ext>
             </a:extLst>
           </p:cNvPr>
@@ -2196,7 +2196,7 @@
           <p:cNvPr id="3" name="内容占位符 2">
             <a:extLst>
               <a:ext uri="{FF2B5EF4-FFF2-40B4-BE49-F238E27FC236}">
-                <a16:creationId xmlns:a16="http://schemas.microsoft.com/office/drawing/2014/main" id="{444F1008-0028-78BE-CDB6-398B37C2F457}"/>
+                <a16:creationId xmlns:a16="http://schemas.microsoft.com/office/drawing/2014/main" id="{EFCDC363-8E6C-F849-20BC-2AD56AFFE821}"/>
               </a:ext>
             </a:extLst>
           </p:cNvPr>
@@ -2286,7 +2286,7 @@
           <p:cNvPr id="4" name="文本占位符 3">
             <a:extLst>
               <a:ext uri="{FF2B5EF4-FFF2-40B4-BE49-F238E27FC236}">
-                <a16:creationId xmlns:a16="http://schemas.microsoft.com/office/drawing/2014/main" id="{39794076-D28C-4660-5572-68495C798675}"/>
+                <a16:creationId xmlns:a16="http://schemas.microsoft.com/office/drawing/2014/main" id="{656F7D69-B5EC-5F6B-FD82-2B58FFD649DC}"/>
               </a:ext>
             </a:extLst>
           </p:cNvPr>
@@ -2357,7 +2357,7 @@
           <p:cNvPr id="5" name="日期占位符 4">
             <a:extLst>
               <a:ext uri="{FF2B5EF4-FFF2-40B4-BE49-F238E27FC236}">
-                <a16:creationId xmlns:a16="http://schemas.microsoft.com/office/drawing/2014/main" id="{DEE63369-D4CF-AE36-CDDA-0C30FC449C79}"/>
+                <a16:creationId xmlns:a16="http://schemas.microsoft.com/office/drawing/2014/main" id="{4E95E990-150D-2EB0-70D4-00AAB5CA7191}"/>
               </a:ext>
             </a:extLst>
           </p:cNvPr>
@@ -2373,7 +2373,7 @@
           <a:bodyPr/>
           <a:lstStyle/>
           <a:p>
-            <a:fld id="{F103E9AC-8A07-40EA-BB0C-38A6C1DF9A3E}" type="datetimeFigureOut">
+            <a:fld id="{30252947-A090-498E-912A-2D5DD1E9FB7D}" type="datetimeFigureOut">
               <a:rPr lang="zh-CN" altLang="en-US" smtClean="0"/>
               <a:t>2024/3/10</a:t>
             </a:fld>
@@ -2386,7 +2386,7 @@
           <p:cNvPr id="6" name="页脚占位符 5">
             <a:extLst>
               <a:ext uri="{FF2B5EF4-FFF2-40B4-BE49-F238E27FC236}">
-                <a16:creationId xmlns:a16="http://schemas.microsoft.com/office/drawing/2014/main" id="{8D17BED3-13E6-FE26-D158-A0870ACC3C6C}"/>
+                <a16:creationId xmlns:a16="http://schemas.microsoft.com/office/drawing/2014/main" id="{6F534EF2-11A0-7E7A-046B-4BE7FD85513D}"/>
               </a:ext>
             </a:extLst>
           </p:cNvPr>
@@ -2411,7 +2411,7 @@
           <p:cNvPr id="7" name="灯片编号占位符 6">
             <a:extLst>
               <a:ext uri="{FF2B5EF4-FFF2-40B4-BE49-F238E27FC236}">
-                <a16:creationId xmlns:a16="http://schemas.microsoft.com/office/drawing/2014/main" id="{EE59E2CC-38D7-780D-8251-2A44052BEA08}"/>
+                <a16:creationId xmlns:a16="http://schemas.microsoft.com/office/drawing/2014/main" id="{854AE9B5-9C72-04B3-632F-630CBCADB7EC}"/>
               </a:ext>
             </a:extLst>
           </p:cNvPr>
@@ -2427,7 +2427,7 @@
           <a:bodyPr/>
           <a:lstStyle/>
           <a:p>
-            <a:fld id="{0F22AC00-330D-45AE-9FF1-B952CE0DA27E}" type="slidenum">
+            <a:fld id="{11B80E5D-0A0F-4D55-95CC-57966BF29772}" type="slidenum">
               <a:rPr lang="zh-CN" altLang="en-US" smtClean="0"/>
               <a:t>‹#›</a:t>
             </a:fld>
@@ -2438,7 +2438,7 @@
     </p:spTree>
     <p:extLst>
       <p:ext uri="{BB962C8B-B14F-4D97-AF65-F5344CB8AC3E}">
-        <p14:creationId xmlns:p14="http://schemas.microsoft.com/office/powerpoint/2010/main" val="3417438954"/>
+        <p14:creationId xmlns:p14="http://schemas.microsoft.com/office/powerpoint/2010/main" val="4200413063"/>
       </p:ext>
     </p:extLst>
   </p:cSld>
@@ -2470,7 +2470,7 @@
           <p:cNvPr id="2" name="标题 1">
             <a:extLst>
               <a:ext uri="{FF2B5EF4-FFF2-40B4-BE49-F238E27FC236}">
-                <a16:creationId xmlns:a16="http://schemas.microsoft.com/office/drawing/2014/main" id="{CB671E18-CC43-44ED-17A3-97F0C0C4C99E}"/>
+                <a16:creationId xmlns:a16="http://schemas.microsoft.com/office/drawing/2014/main" id="{8ACBC8BC-7951-670C-2AA9-95DD852A52F9}"/>
               </a:ext>
             </a:extLst>
           </p:cNvPr>
@@ -2507,7 +2507,7 @@
           <p:cNvPr id="3" name="图片占位符 2">
             <a:extLst>
               <a:ext uri="{FF2B5EF4-FFF2-40B4-BE49-F238E27FC236}">
-                <a16:creationId xmlns:a16="http://schemas.microsoft.com/office/drawing/2014/main" id="{06D46395-90B9-4CC1-A49A-3613CFEDBBC5}"/>
+                <a16:creationId xmlns:a16="http://schemas.microsoft.com/office/drawing/2014/main" id="{2E8FC8BE-4596-89AA-7703-B5EA68CC96A5}"/>
               </a:ext>
             </a:extLst>
           </p:cNvPr>
@@ -2574,7 +2574,7 @@
           <p:cNvPr id="4" name="文本占位符 3">
             <a:extLst>
               <a:ext uri="{FF2B5EF4-FFF2-40B4-BE49-F238E27FC236}">
-                <a16:creationId xmlns:a16="http://schemas.microsoft.com/office/drawing/2014/main" id="{42472F0F-159C-F184-81BA-E24ACE643EF8}"/>
+                <a16:creationId xmlns:a16="http://schemas.microsoft.com/office/drawing/2014/main" id="{44A73F50-5046-DA94-F0F5-430201F76934}"/>
               </a:ext>
             </a:extLst>
           </p:cNvPr>
@@ -2645,7 +2645,7 @@
           <p:cNvPr id="5" name="日期占位符 4">
             <a:extLst>
               <a:ext uri="{FF2B5EF4-FFF2-40B4-BE49-F238E27FC236}">
-                <a16:creationId xmlns:a16="http://schemas.microsoft.com/office/drawing/2014/main" id="{C4860CEF-3402-6EFB-3C79-69E3FBB14EA7}"/>
+                <a16:creationId xmlns:a16="http://schemas.microsoft.com/office/drawing/2014/main" id="{58B36943-4D0C-D40F-5D1D-D2D7830776C5}"/>
               </a:ext>
             </a:extLst>
           </p:cNvPr>
@@ -2661,7 +2661,7 @@
           <a:bodyPr/>
           <a:lstStyle/>
           <a:p>
-            <a:fld id="{F103E9AC-8A07-40EA-BB0C-38A6C1DF9A3E}" type="datetimeFigureOut">
+            <a:fld id="{30252947-A090-498E-912A-2D5DD1E9FB7D}" type="datetimeFigureOut">
               <a:rPr lang="zh-CN" altLang="en-US" smtClean="0"/>
               <a:t>2024/3/10</a:t>
             </a:fld>
@@ -2674,7 +2674,7 @@
           <p:cNvPr id="6" name="页脚占位符 5">
             <a:extLst>
               <a:ext uri="{FF2B5EF4-FFF2-40B4-BE49-F238E27FC236}">
-                <a16:creationId xmlns:a16="http://schemas.microsoft.com/office/drawing/2014/main" id="{2BB98F23-3FB4-993C-6905-6492604CE0D2}"/>
+                <a16:creationId xmlns:a16="http://schemas.microsoft.com/office/drawing/2014/main" id="{21BB32C2-2E78-658A-DCC7-A2C651AC273A}"/>
               </a:ext>
             </a:extLst>
           </p:cNvPr>
@@ -2699,7 +2699,7 @@
           <p:cNvPr id="7" name="灯片编号占位符 6">
             <a:extLst>
               <a:ext uri="{FF2B5EF4-FFF2-40B4-BE49-F238E27FC236}">
-                <a16:creationId xmlns:a16="http://schemas.microsoft.com/office/drawing/2014/main" id="{20168EB9-62F8-C170-DB1C-F6607D1719CD}"/>
+                <a16:creationId xmlns:a16="http://schemas.microsoft.com/office/drawing/2014/main" id="{3E73DF96-F303-D0BC-5D9C-88A7A82F5C71}"/>
               </a:ext>
             </a:extLst>
           </p:cNvPr>
@@ -2715,7 +2715,7 @@
           <a:bodyPr/>
           <a:lstStyle/>
           <a:p>
-            <a:fld id="{0F22AC00-330D-45AE-9FF1-B952CE0DA27E}" type="slidenum">
+            <a:fld id="{11B80E5D-0A0F-4D55-95CC-57966BF29772}" type="slidenum">
               <a:rPr lang="zh-CN" altLang="en-US" smtClean="0"/>
               <a:t>‹#›</a:t>
             </a:fld>
@@ -2726,7 +2726,7 @@
     </p:spTree>
     <p:extLst>
       <p:ext uri="{BB962C8B-B14F-4D97-AF65-F5344CB8AC3E}">
-        <p14:creationId xmlns:p14="http://schemas.microsoft.com/office/powerpoint/2010/main" val="3327970930"/>
+        <p14:creationId xmlns:p14="http://schemas.microsoft.com/office/powerpoint/2010/main" val="3085978198"/>
       </p:ext>
     </p:extLst>
   </p:cSld>
@@ -2763,7 +2763,7 @@
           <p:cNvPr id="2" name="标题占位符 1">
             <a:extLst>
               <a:ext uri="{FF2B5EF4-FFF2-40B4-BE49-F238E27FC236}">
-                <a16:creationId xmlns:a16="http://schemas.microsoft.com/office/drawing/2014/main" id="{AD04D448-3158-3819-0A37-A0994620EB0B}"/>
+                <a16:creationId xmlns:a16="http://schemas.microsoft.com/office/drawing/2014/main" id="{B3ABB3F6-19ED-47A6-B1E3-5B4A3E367A12}"/>
               </a:ext>
             </a:extLst>
           </p:cNvPr>
@@ -2801,7 +2801,7 @@
           <p:cNvPr id="3" name="文本占位符 2">
             <a:extLst>
               <a:ext uri="{FF2B5EF4-FFF2-40B4-BE49-F238E27FC236}">
-                <a16:creationId xmlns:a16="http://schemas.microsoft.com/office/drawing/2014/main" id="{5AFA643B-382D-8FC2-21F4-17D4D0FD1D71}"/>
+                <a16:creationId xmlns:a16="http://schemas.microsoft.com/office/drawing/2014/main" id="{388B3AB4-B75B-461E-C5C7-C0D10D6BCD51}"/>
               </a:ext>
             </a:extLst>
           </p:cNvPr>
@@ -2868,7 +2868,7 @@
           <p:cNvPr id="4" name="日期占位符 3">
             <a:extLst>
               <a:ext uri="{FF2B5EF4-FFF2-40B4-BE49-F238E27FC236}">
-                <a16:creationId xmlns:a16="http://schemas.microsoft.com/office/drawing/2014/main" id="{B19C820C-4336-8CAB-C6AE-24B545344EB1}"/>
+                <a16:creationId xmlns:a16="http://schemas.microsoft.com/office/drawing/2014/main" id="{8181BFE7-5FFE-DB2C-8752-FB16C7ADCB17}"/>
               </a:ext>
             </a:extLst>
           </p:cNvPr>
@@ -2902,7 +2902,7 @@
             </a:lvl1pPr>
           </a:lstStyle>
           <a:p>
-            <a:fld id="{F103E9AC-8A07-40EA-BB0C-38A6C1DF9A3E}" type="datetimeFigureOut">
+            <a:fld id="{30252947-A090-498E-912A-2D5DD1E9FB7D}" type="datetimeFigureOut">
               <a:rPr lang="zh-CN" altLang="en-US" smtClean="0"/>
               <a:t>2024/3/10</a:t>
             </a:fld>
@@ -2915,7 +2915,7 @@
           <p:cNvPr id="5" name="页脚占位符 4">
             <a:extLst>
               <a:ext uri="{FF2B5EF4-FFF2-40B4-BE49-F238E27FC236}">
-                <a16:creationId xmlns:a16="http://schemas.microsoft.com/office/drawing/2014/main" id="{FE99A05A-B2CA-73BF-C9C4-D4ADA12FADEE}"/>
+                <a16:creationId xmlns:a16="http://schemas.microsoft.com/office/drawing/2014/main" id="{06A9F1F6-BCF5-04DB-5E62-EACBFD9CFEA3}"/>
               </a:ext>
             </a:extLst>
           </p:cNvPr>
@@ -2958,7 +2958,7 @@
           <p:cNvPr id="6" name="灯片编号占位符 5">
             <a:extLst>
               <a:ext uri="{FF2B5EF4-FFF2-40B4-BE49-F238E27FC236}">
-                <a16:creationId xmlns:a16="http://schemas.microsoft.com/office/drawing/2014/main" id="{33F9460F-9BFB-DC56-6470-C301FB3DBE49}"/>
+                <a16:creationId xmlns:a16="http://schemas.microsoft.com/office/drawing/2014/main" id="{73BE6BE1-6FE0-8A86-50CF-23E3D48EEF14}"/>
               </a:ext>
             </a:extLst>
           </p:cNvPr>
@@ -2992,7 +2992,7 @@
             </a:lvl1pPr>
           </a:lstStyle>
           <a:p>
-            <a:fld id="{0F22AC00-330D-45AE-9FF1-B952CE0DA27E}" type="slidenum">
+            <a:fld id="{11B80E5D-0A0F-4D55-95CC-57966BF29772}" type="slidenum">
               <a:rPr lang="zh-CN" altLang="en-US" smtClean="0"/>
               <a:t>‹#›</a:t>
             </a:fld>
@@ -3003,7 +3003,7 @@
     </p:spTree>
     <p:extLst>
       <p:ext uri="{BB962C8B-B14F-4D97-AF65-F5344CB8AC3E}">
-        <p14:creationId xmlns:p14="http://schemas.microsoft.com/office/powerpoint/2010/main" val="2698459064"/>
+        <p14:creationId xmlns:p14="http://schemas.microsoft.com/office/powerpoint/2010/main" val="3882648015"/>
       </p:ext>
     </p:extLst>
   </p:cSld>
@@ -3323,7 +3323,7 @@
       </p:grpSpPr>
       <p:pic>
         <p:nvPicPr>
-          <p:cNvPr id="1043458" name="Picture 2" descr="1018"/>
+          <p:cNvPr id="1044482" name="Picture 2" descr="1019"/>
           <p:cNvPicPr>
             <a:picLocks noChangeAspect="1" noChangeArrowheads="1"/>
           </p:cNvPicPr>
@@ -3375,11 +3375,158 @@
           </a:extLst>
         </p:spPr>
       </p:pic>
+      <p:pic>
+        <p:nvPicPr>
+          <p:cNvPr id="1045507" name="Picture 3" descr="1019-2"/>
+          <p:cNvPicPr>
+            <a:picLocks noChangeAspect="1" noChangeArrowheads="1"/>
+          </p:cNvPicPr>
+          <p:nvPr/>
+        </p:nvPicPr>
+        <p:blipFill>
+          <a:blip r:embed="rId3">
+            <a:extLst>
+              <a:ext uri="{28A0092B-C50C-407E-A947-70E740481C1C}">
+                <a14:useLocalDpi xmlns:a14="http://schemas.microsoft.com/office/drawing/2010/main" val="0"/>
+              </a:ext>
+            </a:extLst>
+          </a:blip>
+          <a:srcRect/>
+          <a:stretch>
+            <a:fillRect/>
+          </a:stretch>
+        </p:blipFill>
+        <p:spPr bwMode="auto">
+          <a:xfrm>
+            <a:off x="1524001" y="-14288"/>
+            <a:ext cx="9053513" cy="6827838"/>
+          </a:xfrm>
+          <a:prstGeom prst="rect">
+            <a:avLst/>
+          </a:prstGeom>
+          <a:noFill/>
+          <a:ln>
+            <a:noFill/>
+          </a:ln>
+          <a:effectLst/>
+          <a:extLst>
+            <a:ext uri="{909E8E84-426E-40DD-AFC4-6F175D3DCCD1}">
+              <a14:hiddenFill xmlns:a14="http://schemas.microsoft.com/office/drawing/2010/main">
+                <a:solidFill>
+                  <a:srgbClr val="FFFFFF"/>
+                </a:solidFill>
+              </a14:hiddenFill>
+            </a:ext>
+            <a:ext uri="{91240B29-F687-4F45-9708-019B960494DF}">
+              <a14:hiddenLine xmlns:a14="http://schemas.microsoft.com/office/drawing/2010/main" w="9525">
+                <a:solidFill>
+                  <a:srgbClr val="000000"/>
+                </a:solidFill>
+                <a:miter lim="800000"/>
+                <a:headEnd/>
+                <a:tailEnd/>
+              </a14:hiddenLine>
+            </a:ext>
+            <a:ext uri="{AF507438-7753-43E0-B8FC-AC1667EBCBE1}">
+              <a14:hiddenEffects xmlns:a14="http://schemas.microsoft.com/office/drawing/2010/main">
+                <a:effectLst>
+                  <a:outerShdw dist="35921" dir="2700000" algn="ctr" rotWithShape="0">
+                    <a:srgbClr val="808080"/>
+                  </a:outerShdw>
+                </a:effectLst>
+              </a14:hiddenEffects>
+            </a:ext>
+          </a:extLst>
+        </p:spPr>
+      </p:pic>
     </p:spTree>
   </p:cSld>
   <p:clrMapOvr>
     <a:masterClrMapping/>
   </p:clrMapOvr>
+  <p:timing>
+    <p:tnLst>
+      <p:par>
+        <p:cTn id="1" dur="indefinite" restart="never" nodeType="tmRoot">
+          <p:childTnLst>
+            <p:seq concurrent="1" nextAc="seek">
+              <p:cTn id="2" dur="indefinite" nodeType="mainSeq">
+                <p:childTnLst>
+                  <p:par>
+                    <p:cTn id="3" fill="hold" nodeType="clickPar">
+                      <p:stCondLst>
+                        <p:cond delay="indefinite"/>
+                      </p:stCondLst>
+                      <p:childTnLst>
+                        <p:par>
+                          <p:cTn id="4" fill="hold" nodeType="withGroup">
+                            <p:stCondLst>
+                              <p:cond delay="0"/>
+                            </p:stCondLst>
+                            <p:childTnLst>
+                              <p:par>
+                                <p:cTn id="5" presetID="10" presetClass="entr" presetSubtype="0" fill="hold" nodeType="clickEffect">
+                                  <p:stCondLst>
+                                    <p:cond delay="0"/>
+                                  </p:stCondLst>
+                                  <p:childTnLst>
+                                    <p:set>
+                                      <p:cBhvr>
+                                        <p:cTn id="6" dur="1" fill="hold">
+                                          <p:stCondLst>
+                                            <p:cond delay="0"/>
+                                          </p:stCondLst>
+                                        </p:cTn>
+                                        <p:tgtEl>
+                                          <p:spTgt spid="1045507"/>
+                                        </p:tgtEl>
+                                        <p:attrNameLst>
+                                          <p:attrName>style.visibility</p:attrName>
+                                        </p:attrNameLst>
+                                      </p:cBhvr>
+                                      <p:to>
+                                        <p:strVal val="visible"/>
+                                      </p:to>
+                                    </p:set>
+                                    <p:animEffect transition="in" filter="fade">
+                                      <p:cBhvr>
+                                        <p:cTn id="7" dur="500"/>
+                                        <p:tgtEl>
+                                          <p:spTgt spid="1045507"/>
+                                        </p:tgtEl>
+                                      </p:cBhvr>
+                                    </p:animEffect>
+                                  </p:childTnLst>
+                                </p:cTn>
+                              </p:par>
+                            </p:childTnLst>
+                          </p:cTn>
+                        </p:par>
+                      </p:childTnLst>
+                    </p:cTn>
+                  </p:par>
+                </p:childTnLst>
+              </p:cTn>
+              <p:prevCondLst>
+                <p:cond evt="onPrev" delay="0">
+                  <p:tgtEl>
+                    <p:sldTgt/>
+                  </p:tgtEl>
+                </p:cond>
+              </p:prevCondLst>
+              <p:nextCondLst>
+                <p:cond evt="onNext" delay="0">
+                  <p:tgtEl>
+                    <p:sldTgt/>
+                  </p:tgtEl>
+                </p:cond>
+              </p:nextCondLst>
+            </p:seq>
+          </p:childTnLst>
+        </p:cTn>
+      </p:par>
+    </p:tnLst>
+  </p:timing>
 </p:sld>
 </file>
 
